--- a/Presentation3.pptx
+++ b/Presentation3.pptx
@@ -7661,7 +7661,7 @@
         </p:nvSpPr>
         <p:spPr>
           <a:xfrm>
-            <a:off x="9877977" y="4090541"/>
+            <a:off x="10126740" y="3680879"/>
             <a:ext cx="1773241" cy="1200329"/>
           </a:xfrm>
           <a:prstGeom prst="rect">
@@ -7727,7 +7727,7 @@
         <p:spPr>
           <a:xfrm>
             <a:off x="9514506" y="3033815"/>
-            <a:ext cx="1250092" cy="1056726"/>
+            <a:ext cx="1498855" cy="647064"/>
           </a:xfrm>
           <a:prstGeom prst="straightConnector1">
             <a:avLst/>
@@ -7808,7 +7808,7 @@
         </p:nvSpPr>
         <p:spPr>
           <a:xfrm>
-            <a:off x="8369000" y="5424265"/>
+            <a:off x="8190708" y="5428944"/>
             <a:ext cx="1670650" cy="646331"/>
           </a:xfrm>
           <a:prstGeom prst="rect">
@@ -7857,8 +7857,8 @@
         </p:nvCxnSpPr>
         <p:spPr>
           <a:xfrm flipH="1">
-            <a:off x="9204325" y="3033815"/>
-            <a:ext cx="310181" cy="2390450"/>
+            <a:off x="9026033" y="3033815"/>
+            <a:ext cx="488473" cy="2395129"/>
           </a:xfrm>
           <a:prstGeom prst="straightConnector1">
             <a:avLst/>
@@ -7884,10 +7884,10 @@
       </p:cxnSp>
       <p:sp>
         <p:nvSpPr>
-          <p:cNvPr id="42" name="Rounded Rectangle 41">
+          <p:cNvPr id="54" name="Rounded Rectangle 53">
             <a:extLst>
               <a:ext uri="{FF2B5EF4-FFF2-40B4-BE49-F238E27FC236}">
-                <a16:creationId xmlns:a16="http://schemas.microsoft.com/office/drawing/2014/main" id="{96206D74-6C1E-6D4F-A85F-71A583424ED6}"/>
+                <a16:creationId xmlns:a16="http://schemas.microsoft.com/office/drawing/2014/main" id="{60FD553B-20A5-4842-B492-FAFA6DCC890E}"/>
               </a:ext>
             </a:extLst>
           </p:cNvPr>
@@ -7896,8 +7896,8 @@
         </p:nvSpPr>
         <p:spPr>
           <a:xfrm>
-            <a:off x="798325" y="2199552"/>
-            <a:ext cx="5244736" cy="4293031"/>
+            <a:off x="835876" y="2199552"/>
+            <a:ext cx="5407228" cy="4293031"/>
           </a:xfrm>
           <a:prstGeom prst="roundRect">
             <a:avLst/>
@@ -7936,10 +7936,10 @@
       </p:sp>
       <p:sp>
         <p:nvSpPr>
-          <p:cNvPr id="43" name="TextBox 42">
+          <p:cNvPr id="55" name="TextBox 54">
             <a:extLst>
               <a:ext uri="{FF2B5EF4-FFF2-40B4-BE49-F238E27FC236}">
-                <a16:creationId xmlns:a16="http://schemas.microsoft.com/office/drawing/2014/main" id="{6DA40519-45E6-4440-BE66-06B3EE0A1934}"/>
+                <a16:creationId xmlns:a16="http://schemas.microsoft.com/office/drawing/2014/main" id="{2F37EF25-0719-C244-A7B1-B6F9420C097F}"/>
               </a:ext>
             </a:extLst>
           </p:cNvPr>
@@ -7948,7 +7948,7 @@
         </p:nvSpPr>
         <p:spPr>
           <a:xfrm>
-            <a:off x="2514799" y="2324725"/>
+            <a:off x="2499052" y="2432160"/>
             <a:ext cx="2291012" cy="707886"/>
           </a:xfrm>
           <a:prstGeom prst="rect">
@@ -7990,10 +7990,10 @@
       </p:sp>
       <p:sp>
         <p:nvSpPr>
-          <p:cNvPr id="44" name="TextBox 43">
+          <p:cNvPr id="56" name="TextBox 55">
             <a:extLst>
               <a:ext uri="{FF2B5EF4-FFF2-40B4-BE49-F238E27FC236}">
-                <a16:creationId xmlns:a16="http://schemas.microsoft.com/office/drawing/2014/main" id="{03CE3E87-24CF-1B4A-91CE-C3B6829A0AE3}"/>
+                <a16:creationId xmlns:a16="http://schemas.microsoft.com/office/drawing/2014/main" id="{D143CCEA-2796-A646-837A-2DD496113B84}"/>
               </a:ext>
             </a:extLst>
           </p:cNvPr>
@@ -8002,8 +8002,8 @@
         </p:nvSpPr>
         <p:spPr>
           <a:xfrm>
-            <a:off x="1101124" y="4333606"/>
-            <a:ext cx="1042273" cy="646331"/>
+            <a:off x="936817" y="4135830"/>
+            <a:ext cx="2329484" cy="1200329"/>
           </a:xfrm>
           <a:prstGeom prst="rect">
             <a:avLst/>
@@ -8028,17 +8028,33 @@
                 <a:ea typeface="Apple Symbols" panose="02000000000000000000" pitchFamily="2" charset="-79"/>
                 <a:cs typeface="Apple Symbols" panose="02000000000000000000" pitchFamily="2" charset="-79"/>
               </a:rPr>
-              <a:t>Login</a:t>
-            </a:r>
-          </a:p>
-        </p:txBody>
-      </p:sp>
-      <p:sp>
-        <p:nvSpPr>
-          <p:cNvPr id="45" name="TextBox 44">
+              <a:t>Post</a:t>
+            </a:r>
+          </a:p>
+          <a:p>
+            <a:pPr algn="ctr"/>
+            <a:r>
+              <a:rPr lang="en-LK" sz="3600" dirty="0">
+                <a:solidFill>
+                  <a:schemeClr val="accent1">
+                    <a:lumMod val="50000"/>
+                  </a:schemeClr>
+                </a:solidFill>
+                <a:latin typeface="Apple Symbols" panose="02000000000000000000" pitchFamily="2" charset="-79"/>
+                <a:ea typeface="Apple Symbols" panose="02000000000000000000" pitchFamily="2" charset="-79"/>
+                <a:cs typeface="Apple Symbols" panose="02000000000000000000" pitchFamily="2" charset="-79"/>
+              </a:rPr>
+              <a:t>Advertisment</a:t>
+            </a:r>
+          </a:p>
+        </p:txBody>
+      </p:sp>
+      <p:sp>
+        <p:nvSpPr>
+          <p:cNvPr id="57" name="TextBox 56">
             <a:extLst>
               <a:ext uri="{FF2B5EF4-FFF2-40B4-BE49-F238E27FC236}">
-                <a16:creationId xmlns:a16="http://schemas.microsoft.com/office/drawing/2014/main" id="{08951962-EFBC-074E-B2E9-D262E9ABD89F}"/>
+                <a16:creationId xmlns:a16="http://schemas.microsoft.com/office/drawing/2014/main" id="{55CD3D13-AFC6-C24A-9140-61EA19025538}"/>
               </a:ext>
             </a:extLst>
           </p:cNvPr>
@@ -8047,8 +8063,8 @@
         </p:nvSpPr>
         <p:spPr>
           <a:xfrm>
-            <a:off x="1492545" y="4985106"/>
-            <a:ext cx="2082621" cy="646331"/>
+            <a:off x="2330642" y="5151946"/>
+            <a:ext cx="2518638" cy="1200329"/>
           </a:xfrm>
           <a:prstGeom prst="rect">
             <a:avLst/>
@@ -8073,31 +8089,108 @@
                 <a:ea typeface="Apple Symbols" panose="02000000000000000000" pitchFamily="2" charset="-79"/>
                 <a:cs typeface="Apple Symbols" panose="02000000000000000000" pitchFamily="2" charset="-79"/>
               </a:rPr>
-              <a:t>Registration</a:t>
+              <a:t>Edit </a:t>
+            </a:r>
+          </a:p>
+          <a:p>
+            <a:pPr algn="ctr"/>
+            <a:r>
+              <a:rPr lang="en-LK" sz="3600" dirty="0">
+                <a:solidFill>
+                  <a:schemeClr val="accent1">
+                    <a:lumMod val="50000"/>
+                  </a:schemeClr>
+                </a:solidFill>
+                <a:latin typeface="Apple Symbols" panose="02000000000000000000" pitchFamily="2" charset="-79"/>
+                <a:ea typeface="Apple Symbols" panose="02000000000000000000" pitchFamily="2" charset="-79"/>
+                <a:cs typeface="Apple Symbols" panose="02000000000000000000" pitchFamily="2" charset="-79"/>
+              </a:rPr>
+              <a:t>Advertisement</a:t>
+            </a:r>
+          </a:p>
+        </p:txBody>
+      </p:sp>
+      <p:sp>
+        <p:nvSpPr>
+          <p:cNvPr id="58" name="TextBox 57">
+            <a:extLst>
+              <a:ext uri="{FF2B5EF4-FFF2-40B4-BE49-F238E27FC236}">
+                <a16:creationId xmlns:a16="http://schemas.microsoft.com/office/drawing/2014/main" id="{0C099022-76A7-F44E-AA41-FBFD859E61F5}"/>
+              </a:ext>
+            </a:extLst>
+          </p:cNvPr>
+          <p:cNvSpPr txBox="1"/>
+          <p:nvPr/>
+        </p:nvSpPr>
+        <p:spPr>
+          <a:xfrm>
+            <a:off x="3913620" y="3942602"/>
+            <a:ext cx="2329484" cy="1200329"/>
+          </a:xfrm>
+          <a:prstGeom prst="rect">
+            <a:avLst/>
+          </a:prstGeom>
+          <a:noFill/>
+        </p:spPr>
+        <p:txBody>
+          <a:bodyPr wrap="none" rtlCol="0">
+            <a:spAutoFit/>
+          </a:bodyPr>
+          <a:lstStyle/>
+          <a:p>
+            <a:pPr algn="ctr"/>
+            <a:r>
+              <a:rPr lang="en-LK" sz="3600" dirty="0">
+                <a:solidFill>
+                  <a:schemeClr val="accent1">
+                    <a:lumMod val="50000"/>
+                  </a:schemeClr>
+                </a:solidFill>
+                <a:latin typeface="Apple Symbols" panose="02000000000000000000" pitchFamily="2" charset="-79"/>
+                <a:ea typeface="Apple Symbols" panose="02000000000000000000" pitchFamily="2" charset="-79"/>
+                <a:cs typeface="Apple Symbols" panose="02000000000000000000" pitchFamily="2" charset="-79"/>
+              </a:rPr>
+              <a:t>Delete</a:t>
+            </a:r>
+          </a:p>
+          <a:p>
+            <a:pPr algn="ctr"/>
+            <a:r>
+              <a:rPr lang="en-LK" sz="3600" dirty="0">
+                <a:solidFill>
+                  <a:schemeClr val="accent1">
+                    <a:lumMod val="50000"/>
+                  </a:schemeClr>
+                </a:solidFill>
+                <a:latin typeface="Apple Symbols" panose="02000000000000000000" pitchFamily="2" charset="-79"/>
+                <a:ea typeface="Apple Symbols" panose="02000000000000000000" pitchFamily="2" charset="-79"/>
+                <a:cs typeface="Apple Symbols" panose="02000000000000000000" pitchFamily="2" charset="-79"/>
+              </a:rPr>
+              <a:t>Advertisment</a:t>
             </a:r>
           </a:p>
         </p:txBody>
       </p:sp>
       <p:cxnSp>
         <p:nvCxnSpPr>
-          <p:cNvPr id="46" name="Straight Arrow Connector 45">
+          <p:cNvPr id="59" name="Straight Arrow Connector 58">
             <a:extLst>
               <a:ext uri="{FF2B5EF4-FFF2-40B4-BE49-F238E27FC236}">
-                <a16:creationId xmlns:a16="http://schemas.microsoft.com/office/drawing/2014/main" id="{490714E1-CB8F-9744-A32E-9F69D2978BA2}"/>
+                <a16:creationId xmlns:a16="http://schemas.microsoft.com/office/drawing/2014/main" id="{183F67C7-BD13-1D4C-A92B-14D3630BBD52}"/>
               </a:ext>
             </a:extLst>
           </p:cNvPr>
           <p:cNvCxnSpPr>
             <a:cxnSpLocks/>
-            <a:stCxn id="43" idx="2"/>
-            <a:endCxn id="45" idx="0"/>
+            <a:stCxn id="55" idx="2"/>
+            <a:endCxn id="56" idx="0"/>
           </p:cNvCxnSpPr>
           <p:nvPr/>
         </p:nvCxnSpPr>
         <p:spPr>
           <a:xfrm flipH="1">
-            <a:off x="2533856" y="3032611"/>
-            <a:ext cx="1126449" cy="1952495"/>
+            <a:off x="2101559" y="3140046"/>
+            <a:ext cx="1542999" cy="995784"/>
           </a:xfrm>
           <a:prstGeom prst="straightConnector1">
             <a:avLst/>
@@ -8123,24 +8216,23 @@
       </p:cxnSp>
       <p:cxnSp>
         <p:nvCxnSpPr>
-          <p:cNvPr id="47" name="Straight Arrow Connector 46">
+          <p:cNvPr id="60" name="Straight Arrow Connector 59">
             <a:extLst>
               <a:ext uri="{FF2B5EF4-FFF2-40B4-BE49-F238E27FC236}">
-                <a16:creationId xmlns:a16="http://schemas.microsoft.com/office/drawing/2014/main" id="{6A693C97-4F73-4749-9CF5-1E3B04EF7581}"/>
+                <a16:creationId xmlns:a16="http://schemas.microsoft.com/office/drawing/2014/main" id="{EE560332-EE3B-0F40-A5CA-EB6D3225AB42}"/>
               </a:ext>
             </a:extLst>
           </p:cNvPr>
           <p:cNvCxnSpPr>
             <a:cxnSpLocks/>
-            <a:stCxn id="43" idx="2"/>
-            <a:endCxn id="44" idx="0"/>
+            <a:endCxn id="57" idx="0"/>
           </p:cNvCxnSpPr>
           <p:nvPr/>
         </p:nvCxnSpPr>
         <p:spPr>
           <a:xfrm flipH="1">
-            <a:off x="1622261" y="3032611"/>
-            <a:ext cx="2038044" cy="1300995"/>
+            <a:off x="3589961" y="3140046"/>
+            <a:ext cx="54597" cy="2011900"/>
           </a:xfrm>
           <a:prstGeom prst="straightConnector1">
             <a:avLst/>
@@ -8164,87 +8256,26 @@
           </a:fontRef>
         </p:style>
       </p:cxnSp>
-      <p:sp>
-        <p:nvSpPr>
-          <p:cNvPr id="48" name="TextBox 47">
+      <p:cxnSp>
+        <p:nvCxnSpPr>
+          <p:cNvPr id="61" name="Straight Arrow Connector 60">
             <a:extLst>
               <a:ext uri="{FF2B5EF4-FFF2-40B4-BE49-F238E27FC236}">
-                <a16:creationId xmlns:a16="http://schemas.microsoft.com/office/drawing/2014/main" id="{0B6BE77E-F550-0F42-858C-1B5B4B623624}"/>
-              </a:ext>
-            </a:extLst>
-          </p:cNvPr>
-          <p:cNvSpPr txBox="1"/>
-          <p:nvPr/>
-        </p:nvSpPr>
-        <p:spPr>
-          <a:xfrm>
-            <a:off x="3466202" y="5290870"/>
-            <a:ext cx="1467068" cy="1200329"/>
-          </a:xfrm>
-          <a:prstGeom prst="rect">
-            <a:avLst/>
-          </a:prstGeom>
-          <a:noFill/>
-        </p:spPr>
-        <p:txBody>
-          <a:bodyPr wrap="none" rtlCol="0">
-            <a:spAutoFit/>
-          </a:bodyPr>
-          <a:lstStyle/>
-          <a:p>
-            <a:pPr algn="ctr"/>
-            <a:r>
-              <a:rPr lang="en-LK" sz="3600" dirty="0">
-                <a:solidFill>
-                  <a:schemeClr val="accent1">
-                    <a:lumMod val="50000"/>
-                  </a:schemeClr>
-                </a:solidFill>
-                <a:latin typeface="Apple Symbols" panose="02000000000000000000" pitchFamily="2" charset="-79"/>
-                <a:ea typeface="Apple Symbols" panose="02000000000000000000" pitchFamily="2" charset="-79"/>
-                <a:cs typeface="Apple Symbols" panose="02000000000000000000" pitchFamily="2" charset="-79"/>
-              </a:rPr>
-              <a:t>Update </a:t>
-            </a:r>
-          </a:p>
-          <a:p>
-            <a:pPr algn="ctr"/>
-            <a:r>
-              <a:rPr lang="en-LK" sz="3600" dirty="0">
-                <a:solidFill>
-                  <a:schemeClr val="accent1">
-                    <a:lumMod val="50000"/>
-                  </a:schemeClr>
-                </a:solidFill>
-                <a:latin typeface="Apple Symbols" panose="02000000000000000000" pitchFamily="2" charset="-79"/>
-                <a:ea typeface="Apple Symbols" panose="02000000000000000000" pitchFamily="2" charset="-79"/>
-                <a:cs typeface="Apple Symbols" panose="02000000000000000000" pitchFamily="2" charset="-79"/>
-              </a:rPr>
-              <a:t>User</a:t>
-            </a:r>
-          </a:p>
-        </p:txBody>
-      </p:sp>
-      <p:cxnSp>
-        <p:nvCxnSpPr>
-          <p:cNvPr id="49" name="Straight Arrow Connector 48">
-            <a:extLst>
-              <a:ext uri="{FF2B5EF4-FFF2-40B4-BE49-F238E27FC236}">
-                <a16:creationId xmlns:a16="http://schemas.microsoft.com/office/drawing/2014/main" id="{F16E7F4E-9B6C-8240-AAC7-E5132CC1FE8D}"/>
+                <a16:creationId xmlns:a16="http://schemas.microsoft.com/office/drawing/2014/main" id="{60909B80-0C04-154C-BEBC-49DE60EE5CAA}"/>
               </a:ext>
             </a:extLst>
           </p:cNvPr>
           <p:cNvCxnSpPr>
             <a:cxnSpLocks/>
-            <a:stCxn id="43" idx="2"/>
-            <a:endCxn id="48" idx="0"/>
+            <a:stCxn id="55" idx="2"/>
+            <a:endCxn id="58" idx="0"/>
           </p:cNvCxnSpPr>
           <p:nvPr/>
         </p:nvCxnSpPr>
         <p:spPr>
           <a:xfrm>
-            <a:off x="3660305" y="3032611"/>
-            <a:ext cx="539431" cy="2258259"/>
+            <a:off x="3644558" y="3140046"/>
+            <a:ext cx="1433804" cy="802556"/>
           </a:xfrm>
           <a:prstGeom prst="straightConnector1">
             <a:avLst/>
@@ -8270,10 +8301,10 @@
       </p:cxnSp>
       <p:sp>
         <p:nvSpPr>
-          <p:cNvPr id="50" name="TextBox 49">
+          <p:cNvPr id="68" name="TextBox 67">
             <a:extLst>
               <a:ext uri="{FF2B5EF4-FFF2-40B4-BE49-F238E27FC236}">
-                <a16:creationId xmlns:a16="http://schemas.microsoft.com/office/drawing/2014/main" id="{A8F51447-BB28-EC48-98B2-1D1876ECD1A7}"/>
+                <a16:creationId xmlns:a16="http://schemas.microsoft.com/office/drawing/2014/main" id="{C5DA185F-4019-E040-9040-C526B104DEE7}"/>
               </a:ext>
             </a:extLst>
           </p:cNvPr>
@@ -8282,8 +8313,8 @@
         </p:nvSpPr>
         <p:spPr>
           <a:xfrm>
-            <a:off x="4491856" y="4361438"/>
-            <a:ext cx="1439817" cy="1200329"/>
+            <a:off x="10324048" y="5238673"/>
+            <a:ext cx="1234633" cy="1200329"/>
           </a:xfrm>
           <a:prstGeom prst="rect">
             <a:avLst/>
@@ -8308,7 +8339,7 @@
                 <a:ea typeface="Apple Symbols" panose="02000000000000000000" pitchFamily="2" charset="-79"/>
                 <a:cs typeface="Apple Symbols" panose="02000000000000000000" pitchFamily="2" charset="-79"/>
               </a:rPr>
-              <a:t>Contact</a:t>
+              <a:t>Order</a:t>
             </a:r>
           </a:p>
           <a:p>
@@ -8324,31 +8355,29 @@
                 <a:ea typeface="Apple Symbols" panose="02000000000000000000" pitchFamily="2" charset="-79"/>
                 <a:cs typeface="Apple Symbols" panose="02000000000000000000" pitchFamily="2" charset="-79"/>
               </a:rPr>
-              <a:t>Us</a:t>
+              <a:t>Inquiry</a:t>
             </a:r>
           </a:p>
         </p:txBody>
       </p:sp>
       <p:cxnSp>
         <p:nvCxnSpPr>
-          <p:cNvPr id="51" name="Straight Arrow Connector 50">
+          <p:cNvPr id="70" name="Straight Arrow Connector 69">
             <a:extLst>
               <a:ext uri="{FF2B5EF4-FFF2-40B4-BE49-F238E27FC236}">
-                <a16:creationId xmlns:a16="http://schemas.microsoft.com/office/drawing/2014/main" id="{4A55C103-FFA5-1841-AA92-56D5665DB9A3}"/>
+                <a16:creationId xmlns:a16="http://schemas.microsoft.com/office/drawing/2014/main" id="{C82C5B8D-43A0-8D45-95C2-4EF8D8C6B332}"/>
               </a:ext>
             </a:extLst>
           </p:cNvPr>
           <p:cNvCxnSpPr>
             <a:cxnSpLocks/>
-            <a:stCxn id="43" idx="2"/>
-            <a:endCxn id="50" idx="0"/>
           </p:cNvCxnSpPr>
           <p:nvPr/>
         </p:nvCxnSpPr>
         <p:spPr>
           <a:xfrm>
-            <a:off x="3660305" y="3032611"/>
-            <a:ext cx="1551460" cy="1328827"/>
+            <a:off x="9532383" y="3033815"/>
+            <a:ext cx="817448" cy="2302344"/>
           </a:xfrm>
           <a:prstGeom prst="straightConnector1">
             <a:avLst/>
@@ -8428,7 +8457,7 @@
                                           </p:stCondLst>
                                         </p:cTn>
                                         <p:tgtEl>
-                                          <p:spTgt spid="42"/>
+                                          <p:spTgt spid="54"/>
                                         </p:tgtEl>
                                         <p:attrNameLst>
                                           <p:attrName>style.visibility</p:attrName>
@@ -8442,7 +8471,7 @@
                                       <p:cBhvr>
                                         <p:cTn id="7" dur="500"/>
                                         <p:tgtEl>
-                                          <p:spTgt spid="42"/>
+                                          <p:spTgt spid="54"/>
                                         </p:tgtEl>
                                       </p:cBhvr>
                                     </p:animEffect>
@@ -8463,7 +8492,7 @@
                                           </p:stCondLst>
                                         </p:cTn>
                                         <p:tgtEl>
-                                          <p:spTgt spid="43"/>
+                                          <p:spTgt spid="55"/>
                                         </p:tgtEl>
                                         <p:attrNameLst>
                                           <p:attrName>style.visibility</p:attrName>
@@ -8477,7 +8506,7 @@
                                       <p:cBhvr>
                                         <p:cTn id="10" dur="500"/>
                                         <p:tgtEl>
-                                          <p:spTgt spid="43"/>
+                                          <p:spTgt spid="55"/>
                                         </p:tgtEl>
                                       </p:cBhvr>
                                     </p:animEffect>
@@ -8498,7 +8527,7 @@
                                           </p:stCondLst>
                                         </p:cTn>
                                         <p:tgtEl>
-                                          <p:spTgt spid="47"/>
+                                          <p:spTgt spid="59"/>
                                         </p:tgtEl>
                                         <p:attrNameLst>
                                           <p:attrName>style.visibility</p:attrName>
@@ -8512,7 +8541,7 @@
                                       <p:cBhvr>
                                         <p:cTn id="13" dur="500"/>
                                         <p:tgtEl>
-                                          <p:spTgt spid="47"/>
+                                          <p:spTgt spid="59"/>
                                         </p:tgtEl>
                                       </p:cBhvr>
                                     </p:animEffect>
@@ -8520,7 +8549,7 @@
                                 </p:cTn>
                               </p:par>
                               <p:par>
-                                <p:cTn id="14" presetID="10" presetClass="entr" presetSubtype="0" fill="hold" nodeType="withEffect">
+                                <p:cTn id="14" presetID="10" presetClass="entr" presetSubtype="0" fill="hold" grpId="0" nodeType="withEffect">
                                   <p:stCondLst>
                                     <p:cond delay="0"/>
                                   </p:stCondLst>
@@ -8533,7 +8562,7 @@
                                           </p:stCondLst>
                                         </p:cTn>
                                         <p:tgtEl>
-                                          <p:spTgt spid="46"/>
+                                          <p:spTgt spid="56"/>
                                         </p:tgtEl>
                                         <p:attrNameLst>
                                           <p:attrName>style.visibility</p:attrName>
@@ -8547,7 +8576,7 @@
                                       <p:cBhvr>
                                         <p:cTn id="16" dur="500"/>
                                         <p:tgtEl>
-                                          <p:spTgt spid="46"/>
+                                          <p:spTgt spid="56"/>
                                         </p:tgtEl>
                                       </p:cBhvr>
                                     </p:animEffect>
@@ -8568,7 +8597,7 @@
                                           </p:stCondLst>
                                         </p:cTn>
                                         <p:tgtEl>
-                                          <p:spTgt spid="49"/>
+                                          <p:spTgt spid="60"/>
                                         </p:tgtEl>
                                         <p:attrNameLst>
                                           <p:attrName>style.visibility</p:attrName>
@@ -8582,7 +8611,7 @@
                                       <p:cBhvr>
                                         <p:cTn id="19" dur="500"/>
                                         <p:tgtEl>
-                                          <p:spTgt spid="49"/>
+                                          <p:spTgt spid="60"/>
                                         </p:tgtEl>
                                       </p:cBhvr>
                                     </p:animEffect>
@@ -8590,7 +8619,7 @@
                                 </p:cTn>
                               </p:par>
                               <p:par>
-                                <p:cTn id="20" presetID="10" presetClass="entr" presetSubtype="0" fill="hold" nodeType="withEffect">
+                                <p:cTn id="20" presetID="10" presetClass="entr" presetSubtype="0" fill="hold" grpId="0" nodeType="withEffect">
                                   <p:stCondLst>
                                     <p:cond delay="0"/>
                                   </p:stCondLst>
@@ -8603,7 +8632,7 @@
                                           </p:stCondLst>
                                         </p:cTn>
                                         <p:tgtEl>
-                                          <p:spTgt spid="51"/>
+                                          <p:spTgt spid="57"/>
                                         </p:tgtEl>
                                         <p:attrNameLst>
                                           <p:attrName>style.visibility</p:attrName>
@@ -8617,7 +8646,7 @@
                                       <p:cBhvr>
                                         <p:cTn id="22" dur="500"/>
                                         <p:tgtEl>
-                                          <p:spTgt spid="51"/>
+                                          <p:spTgt spid="57"/>
                                         </p:tgtEl>
                                       </p:cBhvr>
                                     </p:animEffect>
@@ -8625,7 +8654,7 @@
                                 </p:cTn>
                               </p:par>
                               <p:par>
-                                <p:cTn id="23" presetID="10" presetClass="entr" presetSubtype="0" fill="hold" grpId="0" nodeType="withEffect">
+                                <p:cTn id="23" presetID="10" presetClass="entr" presetSubtype="0" fill="hold" nodeType="withEffect">
                                   <p:stCondLst>
                                     <p:cond delay="0"/>
                                   </p:stCondLst>
@@ -8638,7 +8667,7 @@
                                           </p:stCondLst>
                                         </p:cTn>
                                         <p:tgtEl>
-                                          <p:spTgt spid="44"/>
+                                          <p:spTgt spid="61"/>
                                         </p:tgtEl>
                                         <p:attrNameLst>
                                           <p:attrName>style.visibility</p:attrName>
@@ -8652,7 +8681,7 @@
                                       <p:cBhvr>
                                         <p:cTn id="25" dur="500"/>
                                         <p:tgtEl>
-                                          <p:spTgt spid="44"/>
+                                          <p:spTgt spid="61"/>
                                         </p:tgtEl>
                                       </p:cBhvr>
                                     </p:animEffect>
@@ -8673,7 +8702,7 @@
                                           </p:stCondLst>
                                         </p:cTn>
                                         <p:tgtEl>
-                                          <p:spTgt spid="45"/>
+                                          <p:spTgt spid="58"/>
                                         </p:tgtEl>
                                         <p:attrNameLst>
                                           <p:attrName>style.visibility</p:attrName>
@@ -8687,77 +8716,7 @@
                                       <p:cBhvr>
                                         <p:cTn id="28" dur="500"/>
                                         <p:tgtEl>
-                                          <p:spTgt spid="45"/>
-                                        </p:tgtEl>
-                                      </p:cBhvr>
-                                    </p:animEffect>
-                                  </p:childTnLst>
-                                </p:cTn>
-                              </p:par>
-                              <p:par>
-                                <p:cTn id="29" presetID="10" presetClass="entr" presetSubtype="0" fill="hold" grpId="0" nodeType="withEffect">
-                                  <p:stCondLst>
-                                    <p:cond delay="0"/>
-                                  </p:stCondLst>
-                                  <p:childTnLst>
-                                    <p:set>
-                                      <p:cBhvr>
-                                        <p:cTn id="30" dur="1" fill="hold">
-                                          <p:stCondLst>
-                                            <p:cond delay="0"/>
-                                          </p:stCondLst>
-                                        </p:cTn>
-                                        <p:tgtEl>
-                                          <p:spTgt spid="48"/>
-                                        </p:tgtEl>
-                                        <p:attrNameLst>
-                                          <p:attrName>style.visibility</p:attrName>
-                                        </p:attrNameLst>
-                                      </p:cBhvr>
-                                      <p:to>
-                                        <p:strVal val="visible"/>
-                                      </p:to>
-                                    </p:set>
-                                    <p:animEffect transition="in" filter="fade">
-                                      <p:cBhvr>
-                                        <p:cTn id="31" dur="500"/>
-                                        <p:tgtEl>
-                                          <p:spTgt spid="48"/>
-                                        </p:tgtEl>
-                                      </p:cBhvr>
-                                    </p:animEffect>
-                                  </p:childTnLst>
-                                </p:cTn>
-                              </p:par>
-                              <p:par>
-                                <p:cTn id="32" presetID="10" presetClass="entr" presetSubtype="0" fill="hold" grpId="0" nodeType="withEffect">
-                                  <p:stCondLst>
-                                    <p:cond delay="0"/>
-                                  </p:stCondLst>
-                                  <p:childTnLst>
-                                    <p:set>
-                                      <p:cBhvr>
-                                        <p:cTn id="33" dur="1" fill="hold">
-                                          <p:stCondLst>
-                                            <p:cond delay="0"/>
-                                          </p:stCondLst>
-                                        </p:cTn>
-                                        <p:tgtEl>
-                                          <p:spTgt spid="50"/>
-                                        </p:tgtEl>
-                                        <p:attrNameLst>
-                                          <p:attrName>style.visibility</p:attrName>
-                                        </p:attrNameLst>
-                                      </p:cBhvr>
-                                      <p:to>
-                                        <p:strVal val="visible"/>
-                                      </p:to>
-                                    </p:set>
-                                    <p:animEffect transition="in" filter="fade">
-                                      <p:cBhvr>
-                                        <p:cTn id="34" dur="500"/>
-                                        <p:tgtEl>
-                                          <p:spTgt spid="50"/>
+                                          <p:spTgt spid="58"/>
                                         </p:tgtEl>
                                       </p:cBhvr>
                                     </p:animEffect>
@@ -8771,26 +8730,61 @@
                     </p:cTn>
                   </p:par>
                   <p:par>
-                    <p:cTn id="35" fill="hold">
+                    <p:cTn id="29" fill="hold">
                       <p:stCondLst>
                         <p:cond delay="indefinite"/>
                       </p:stCondLst>
                       <p:childTnLst>
                         <p:par>
-                          <p:cTn id="36" fill="hold">
+                          <p:cTn id="30" fill="hold">
                             <p:stCondLst>
                               <p:cond delay="0"/>
                             </p:stCondLst>
                             <p:childTnLst>
                               <p:par>
-                                <p:cTn id="37" presetID="10" presetClass="entr" presetSubtype="0" fill="hold" grpId="0" nodeType="clickEffect">
+                                <p:cTn id="31" presetID="10" presetClass="entr" presetSubtype="0" fill="hold" grpId="0" nodeType="clickEffect">
                                   <p:stCondLst>
                                     <p:cond delay="0"/>
                                   </p:stCondLst>
                                   <p:childTnLst>
                                     <p:set>
                                       <p:cBhvr>
-                                        <p:cTn id="38" dur="1" fill="hold">
+                                        <p:cTn id="32" dur="1" fill="hold">
+                                          <p:stCondLst>
+                                            <p:cond delay="0"/>
+                                          </p:stCondLst>
+                                        </p:cTn>
+                                        <p:tgtEl>
+                                          <p:spTgt spid="22"/>
+                                        </p:tgtEl>
+                                        <p:attrNameLst>
+                                          <p:attrName>style.visibility</p:attrName>
+                                        </p:attrNameLst>
+                                      </p:cBhvr>
+                                      <p:to>
+                                        <p:strVal val="visible"/>
+                                      </p:to>
+                                    </p:set>
+                                    <p:animEffect transition="in" filter="fade">
+                                      <p:cBhvr>
+                                        <p:cTn id="33" dur="500"/>
+                                        <p:tgtEl>
+                                          <p:spTgt spid="22"/>
+                                        </p:tgtEl>
+                                      </p:cBhvr>
+                                    </p:animEffect>
+                                  </p:childTnLst>
+                                </p:cTn>
+                              </p:par>
+                              <p:par>
+                                <p:cTn id="34" presetID="10" presetClass="entr" presetSubtype="0" fill="hold" grpId="0" nodeType="withEffect">
+                                  <p:stCondLst>
+                                    <p:cond delay="0"/>
+                                  </p:stCondLst>
+                                  <p:childTnLst>
+                                    <p:set>
+                                      <p:cBhvr>
+                                        <p:cTn id="35" dur="1" fill="hold">
                                           <p:stCondLst>
                                             <p:cond delay="0"/>
                                           </p:stCondLst>
@@ -8808,9 +8802,44 @@
                                     </p:set>
                                     <p:animEffect transition="in" filter="fade">
                                       <p:cBhvr>
+                                        <p:cTn id="36" dur="500"/>
+                                        <p:tgtEl>
+                                          <p:spTgt spid="41"/>
+                                        </p:tgtEl>
+                                      </p:cBhvr>
+                                    </p:animEffect>
+                                  </p:childTnLst>
+                                </p:cTn>
+                              </p:par>
+                              <p:par>
+                                <p:cTn id="37" presetID="10" presetClass="entr" presetSubtype="0" fill="hold" nodeType="withEffect">
+                                  <p:stCondLst>
+                                    <p:cond delay="0"/>
+                                  </p:stCondLst>
+                                  <p:childTnLst>
+                                    <p:set>
+                                      <p:cBhvr>
+                                        <p:cTn id="38" dur="1" fill="hold">
+                                          <p:stCondLst>
+                                            <p:cond delay="0"/>
+                                          </p:stCondLst>
+                                        </p:cTn>
+                                        <p:tgtEl>
+                                          <p:spTgt spid="27"/>
+                                        </p:tgtEl>
+                                        <p:attrNameLst>
+                                          <p:attrName>style.visibility</p:attrName>
+                                        </p:attrNameLst>
+                                      </p:cBhvr>
+                                      <p:to>
+                                        <p:strVal val="visible"/>
+                                      </p:to>
+                                    </p:set>
+                                    <p:animEffect transition="in" filter="fade">
+                                      <p:cBhvr>
                                         <p:cTn id="39" dur="500"/>
                                         <p:tgtEl>
-                                          <p:spTgt spid="41"/>
+                                          <p:spTgt spid="27"/>
                                         </p:tgtEl>
                                       </p:cBhvr>
                                     </p:animEffect>
@@ -8831,7 +8860,7 @@
                                           </p:stCondLst>
                                         </p:cTn>
                                         <p:tgtEl>
-                                          <p:spTgt spid="22"/>
+                                          <p:spTgt spid="23"/>
                                         </p:tgtEl>
                                         <p:attrNameLst>
                                           <p:attrName>style.visibility</p:attrName>
@@ -8845,7 +8874,7 @@
                                       <p:cBhvr>
                                         <p:cTn id="42" dur="500"/>
                                         <p:tgtEl>
-                                          <p:spTgt spid="22"/>
+                                          <p:spTgt spid="23"/>
                                         </p:tgtEl>
                                       </p:cBhvr>
                                     </p:animEffect>
@@ -8866,7 +8895,7 @@
                                           </p:stCondLst>
                                         </p:cTn>
                                         <p:tgtEl>
-                                          <p:spTgt spid="27"/>
+                                          <p:spTgt spid="35"/>
                                         </p:tgtEl>
                                         <p:attrNameLst>
                                           <p:attrName>style.visibility</p:attrName>
@@ -8880,7 +8909,7 @@
                                       <p:cBhvr>
                                         <p:cTn id="45" dur="500"/>
                                         <p:tgtEl>
-                                          <p:spTgt spid="27"/>
+                                          <p:spTgt spid="35"/>
                                         </p:tgtEl>
                                       </p:cBhvr>
                                     </p:animEffect>
@@ -8901,7 +8930,7 @@
                                           </p:stCondLst>
                                         </p:cTn>
                                         <p:tgtEl>
-                                          <p:spTgt spid="23"/>
+                                          <p:spTgt spid="34"/>
                                         </p:tgtEl>
                                         <p:attrNameLst>
                                           <p:attrName>style.visibility</p:attrName>
@@ -8915,7 +8944,7 @@
                                       <p:cBhvr>
                                         <p:cTn id="48" dur="500"/>
                                         <p:tgtEl>
-                                          <p:spTgt spid="23"/>
+                                          <p:spTgt spid="34"/>
                                         </p:tgtEl>
                                       </p:cBhvr>
                                     </p:animEffect>
@@ -8936,7 +8965,7 @@
                                           </p:stCondLst>
                                         </p:cTn>
                                         <p:tgtEl>
-                                          <p:spTgt spid="35"/>
+                                          <p:spTgt spid="70"/>
                                         </p:tgtEl>
                                         <p:attrNameLst>
                                           <p:attrName>style.visibility</p:attrName>
@@ -8950,7 +8979,7 @@
                                       <p:cBhvr>
                                         <p:cTn id="51" dur="500"/>
                                         <p:tgtEl>
-                                          <p:spTgt spid="35"/>
+                                          <p:spTgt spid="70"/>
                                         </p:tgtEl>
                                       </p:cBhvr>
                                     </p:animEffect>
@@ -8971,7 +9000,7 @@
                                           </p:stCondLst>
                                         </p:cTn>
                                         <p:tgtEl>
-                                          <p:spTgt spid="34"/>
+                                          <p:spTgt spid="68"/>
                                         </p:tgtEl>
                                         <p:attrNameLst>
                                           <p:attrName>style.visibility</p:attrName>
@@ -8985,7 +9014,7 @@
                                       <p:cBhvr>
                                         <p:cTn id="54" dur="500"/>
                                         <p:tgtEl>
-                                          <p:spTgt spid="34"/>
+                                          <p:spTgt spid="68"/>
                                         </p:tgtEl>
                                       </p:cBhvr>
                                     </p:animEffect>
@@ -8993,7 +9022,7 @@
                                 </p:cTn>
                               </p:par>
                               <p:par>
-                                <p:cTn id="55" presetID="10" presetClass="entr" presetSubtype="0" fill="hold" grpId="0" nodeType="withEffect">
+                                <p:cTn id="55" presetID="10" presetClass="entr" presetSubtype="0" fill="hold" nodeType="withEffect">
                                   <p:stCondLst>
                                     <p:cond delay="0"/>
                                   </p:stCondLst>
@@ -9001,6 +9030,41 @@
                                     <p:set>
                                       <p:cBhvr>
                                         <p:cTn id="56" dur="1" fill="hold">
+                                          <p:stCondLst>
+                                            <p:cond delay="0"/>
+                                          </p:stCondLst>
+                                        </p:cTn>
+                                        <p:tgtEl>
+                                          <p:spTgt spid="25"/>
+                                        </p:tgtEl>
+                                        <p:attrNameLst>
+                                          <p:attrName>style.visibility</p:attrName>
+                                        </p:attrNameLst>
+                                      </p:cBhvr>
+                                      <p:to>
+                                        <p:strVal val="visible"/>
+                                      </p:to>
+                                    </p:set>
+                                    <p:animEffect transition="in" filter="fade">
+                                      <p:cBhvr>
+                                        <p:cTn id="57" dur="500"/>
+                                        <p:tgtEl>
+                                          <p:spTgt spid="25"/>
+                                        </p:tgtEl>
+                                      </p:cBhvr>
+                                    </p:animEffect>
+                                  </p:childTnLst>
+                                </p:cTn>
+                              </p:par>
+                              <p:par>
+                                <p:cTn id="58" presetID="10" presetClass="entr" presetSubtype="0" fill="hold" grpId="0" nodeType="withEffect">
+                                  <p:stCondLst>
+                                    <p:cond delay="0"/>
+                                  </p:stCondLst>
+                                  <p:childTnLst>
+                                    <p:set>
+                                      <p:cBhvr>
+                                        <p:cTn id="59" dur="1" fill="hold">
                                           <p:stCondLst>
                                             <p:cond delay="0"/>
                                           </p:stCondLst>
@@ -9018,44 +9082,9 @@
                                     </p:set>
                                     <p:animEffect transition="in" filter="fade">
                                       <p:cBhvr>
-                                        <p:cTn id="57" dur="500"/>
+                                        <p:cTn id="60" dur="500"/>
                                         <p:tgtEl>
                                           <p:spTgt spid="24"/>
-                                        </p:tgtEl>
-                                      </p:cBhvr>
-                                    </p:animEffect>
-                                  </p:childTnLst>
-                                </p:cTn>
-                              </p:par>
-                              <p:par>
-                                <p:cTn id="58" presetID="10" presetClass="entr" presetSubtype="0" fill="hold" nodeType="withEffect">
-                                  <p:stCondLst>
-                                    <p:cond delay="0"/>
-                                  </p:stCondLst>
-                                  <p:childTnLst>
-                                    <p:set>
-                                      <p:cBhvr>
-                                        <p:cTn id="59" dur="1" fill="hold">
-                                          <p:stCondLst>
-                                            <p:cond delay="0"/>
-                                          </p:stCondLst>
-                                        </p:cTn>
-                                        <p:tgtEl>
-                                          <p:spTgt spid="25"/>
-                                        </p:tgtEl>
-                                        <p:attrNameLst>
-                                          <p:attrName>style.visibility</p:attrName>
-                                        </p:attrNameLst>
-                                      </p:cBhvr>
-                                      <p:to>
-                                        <p:strVal val="visible"/>
-                                      </p:to>
-                                    </p:set>
-                                    <p:animEffect transition="in" filter="fade">
-                                      <p:cBhvr>
-                                        <p:cTn id="60" dur="500"/>
-                                        <p:tgtEl>
-                                          <p:spTgt spid="25"/>
                                         </p:tgtEl>
                                       </p:cBhvr>
                                     </p:animEffect>
@@ -9095,12 +9124,12 @@
       <p:bldP spid="23" grpId="0"/>
       <p:bldP spid="24" grpId="0"/>
       <p:bldP spid="34" grpId="0"/>
-      <p:bldP spid="42" grpId="0" animBg="1"/>
-      <p:bldP spid="43" grpId="0"/>
-      <p:bldP spid="44" grpId="0"/>
-      <p:bldP spid="45" grpId="0"/>
-      <p:bldP spid="48" grpId="0"/>
-      <p:bldP spid="50" grpId="0"/>
+      <p:bldP spid="54" grpId="0" animBg="1"/>
+      <p:bldP spid="55" grpId="0"/>
+      <p:bldP spid="56" grpId="0"/>
+      <p:bldP spid="57" grpId="0"/>
+      <p:bldP spid="58" grpId="0"/>
+      <p:bldP spid="68" grpId="0"/>
     </p:bldLst>
   </p:timing>
 </p:sld>
@@ -9582,10 +9611,10 @@
       </p:sp>
       <p:sp>
         <p:nvSpPr>
-          <p:cNvPr id="34" name="Rounded Rectangle 33">
+          <p:cNvPr id="53" name="Rounded Rectangle 52">
             <a:extLst>
               <a:ext uri="{FF2B5EF4-FFF2-40B4-BE49-F238E27FC236}">
-                <a16:creationId xmlns:a16="http://schemas.microsoft.com/office/drawing/2014/main" id="{0D711C17-B218-C249-BD46-E97F3B58D402}"/>
+                <a16:creationId xmlns:a16="http://schemas.microsoft.com/office/drawing/2014/main" id="{5433CB20-7E7F-E940-BA9D-2B505A6EE7C4}"/>
               </a:ext>
             </a:extLst>
           </p:cNvPr>
@@ -9594,8 +9623,8 @@
         </p:nvSpPr>
         <p:spPr>
           <a:xfrm>
-            <a:off x="6609668" y="2154263"/>
-            <a:ext cx="5407228" cy="4293031"/>
+            <a:off x="6795406" y="2154263"/>
+            <a:ext cx="5244736" cy="4293031"/>
           </a:xfrm>
           <a:prstGeom prst="roundRect">
             <a:avLst/>
@@ -9634,10 +9663,10 @@
       </p:sp>
       <p:sp>
         <p:nvSpPr>
-          <p:cNvPr id="35" name="TextBox 34">
+          <p:cNvPr id="54" name="TextBox 53">
             <a:extLst>
               <a:ext uri="{FF2B5EF4-FFF2-40B4-BE49-F238E27FC236}">
-                <a16:creationId xmlns:a16="http://schemas.microsoft.com/office/drawing/2014/main" id="{A9E49341-AA0E-6D4F-B04C-14573F0DA1FC}"/>
+                <a16:creationId xmlns:a16="http://schemas.microsoft.com/office/drawing/2014/main" id="{8F36F28D-DC40-9B46-95C7-0254EA6D913C}"/>
               </a:ext>
             </a:extLst>
           </p:cNvPr>
@@ -9646,7 +9675,7 @@
         </p:nvSpPr>
         <p:spPr>
           <a:xfrm>
-            <a:off x="8272844" y="2386871"/>
+            <a:off x="8511880" y="2279436"/>
             <a:ext cx="2291012" cy="707886"/>
           </a:xfrm>
           <a:prstGeom prst="rect">
@@ -9688,10 +9717,10 @@
       </p:sp>
       <p:sp>
         <p:nvSpPr>
-          <p:cNvPr id="36" name="TextBox 35">
+          <p:cNvPr id="55" name="TextBox 54">
             <a:extLst>
               <a:ext uri="{FF2B5EF4-FFF2-40B4-BE49-F238E27FC236}">
-                <a16:creationId xmlns:a16="http://schemas.microsoft.com/office/drawing/2014/main" id="{2C15779E-6653-5445-B3C0-D44D20452058}"/>
+                <a16:creationId xmlns:a16="http://schemas.microsoft.com/office/drawing/2014/main" id="{17A47851-583F-9948-BEFD-2EE932CB642F}"/>
               </a:ext>
             </a:extLst>
           </p:cNvPr>
@@ -9700,8 +9729,8 @@
         </p:nvSpPr>
         <p:spPr>
           <a:xfrm>
-            <a:off x="6710609" y="4090541"/>
-            <a:ext cx="2329484" cy="1200329"/>
+            <a:off x="7098205" y="4288317"/>
+            <a:ext cx="1042273" cy="646331"/>
           </a:xfrm>
           <a:prstGeom prst="rect">
             <a:avLst/>
@@ -9726,33 +9755,17 @@
                 <a:ea typeface="Apple Symbols" panose="02000000000000000000" pitchFamily="2" charset="-79"/>
                 <a:cs typeface="Apple Symbols" panose="02000000000000000000" pitchFamily="2" charset="-79"/>
               </a:rPr>
-              <a:t>Post</a:t>
-            </a:r>
-          </a:p>
-          <a:p>
-            <a:pPr algn="ctr"/>
-            <a:r>
-              <a:rPr lang="en-LK" sz="3600" dirty="0">
-                <a:solidFill>
-                  <a:schemeClr val="accent1">
-                    <a:lumMod val="50000"/>
-                  </a:schemeClr>
-                </a:solidFill>
-                <a:latin typeface="Apple Symbols" panose="02000000000000000000" pitchFamily="2" charset="-79"/>
-                <a:ea typeface="Apple Symbols" panose="02000000000000000000" pitchFamily="2" charset="-79"/>
-                <a:cs typeface="Apple Symbols" panose="02000000000000000000" pitchFamily="2" charset="-79"/>
-              </a:rPr>
-              <a:t>Advertisment</a:t>
-            </a:r>
-          </a:p>
-        </p:txBody>
-      </p:sp>
-      <p:sp>
-        <p:nvSpPr>
-          <p:cNvPr id="37" name="TextBox 36">
+              <a:t>Login</a:t>
+            </a:r>
+          </a:p>
+        </p:txBody>
+      </p:sp>
+      <p:sp>
+        <p:nvSpPr>
+          <p:cNvPr id="56" name="TextBox 55">
             <a:extLst>
               <a:ext uri="{FF2B5EF4-FFF2-40B4-BE49-F238E27FC236}">
-                <a16:creationId xmlns:a16="http://schemas.microsoft.com/office/drawing/2014/main" id="{354B79C8-5D17-DE48-B612-F20F27B590F4}"/>
+                <a16:creationId xmlns:a16="http://schemas.microsoft.com/office/drawing/2014/main" id="{1619B49D-B620-9B45-8502-7614FBA2E6CC}"/>
               </a:ext>
             </a:extLst>
           </p:cNvPr>
@@ -9761,8 +9774,8 @@
         </p:nvSpPr>
         <p:spPr>
           <a:xfrm>
-            <a:off x="8104434" y="5106657"/>
-            <a:ext cx="2518638" cy="1200329"/>
+            <a:off x="7489626" y="4939817"/>
+            <a:ext cx="2082621" cy="646331"/>
           </a:xfrm>
           <a:prstGeom prst="rect">
             <a:avLst/>
@@ -9787,108 +9800,31 @@
                 <a:ea typeface="Apple Symbols" panose="02000000000000000000" pitchFamily="2" charset="-79"/>
                 <a:cs typeface="Apple Symbols" panose="02000000000000000000" pitchFamily="2" charset="-79"/>
               </a:rPr>
-              <a:t>Edit </a:t>
-            </a:r>
-          </a:p>
-          <a:p>
-            <a:pPr algn="ctr"/>
-            <a:r>
-              <a:rPr lang="en-LK" sz="3600" dirty="0">
-                <a:solidFill>
-                  <a:schemeClr val="accent1">
-                    <a:lumMod val="50000"/>
-                  </a:schemeClr>
-                </a:solidFill>
-                <a:latin typeface="Apple Symbols" panose="02000000000000000000" pitchFamily="2" charset="-79"/>
-                <a:ea typeface="Apple Symbols" panose="02000000000000000000" pitchFamily="2" charset="-79"/>
-                <a:cs typeface="Apple Symbols" panose="02000000000000000000" pitchFamily="2" charset="-79"/>
-              </a:rPr>
-              <a:t>Advertisement</a:t>
-            </a:r>
-          </a:p>
-        </p:txBody>
-      </p:sp>
-      <p:sp>
-        <p:nvSpPr>
-          <p:cNvPr id="38" name="TextBox 37">
+              <a:t>Registration</a:t>
+            </a:r>
+          </a:p>
+        </p:txBody>
+      </p:sp>
+      <p:cxnSp>
+        <p:nvCxnSpPr>
+          <p:cNvPr id="57" name="Straight Arrow Connector 56">
             <a:extLst>
               <a:ext uri="{FF2B5EF4-FFF2-40B4-BE49-F238E27FC236}">
-                <a16:creationId xmlns:a16="http://schemas.microsoft.com/office/drawing/2014/main" id="{C0303D28-0E91-0C47-B057-9F00CF035C44}"/>
-              </a:ext>
-            </a:extLst>
-          </p:cNvPr>
-          <p:cNvSpPr txBox="1"/>
-          <p:nvPr/>
-        </p:nvSpPr>
-        <p:spPr>
-          <a:xfrm>
-            <a:off x="9687412" y="3897313"/>
-            <a:ext cx="2329484" cy="1200329"/>
-          </a:xfrm>
-          <a:prstGeom prst="rect">
-            <a:avLst/>
-          </a:prstGeom>
-          <a:noFill/>
-        </p:spPr>
-        <p:txBody>
-          <a:bodyPr wrap="none" rtlCol="0">
-            <a:spAutoFit/>
-          </a:bodyPr>
-          <a:lstStyle/>
-          <a:p>
-            <a:pPr algn="ctr"/>
-            <a:r>
-              <a:rPr lang="en-LK" sz="3600" dirty="0">
-                <a:solidFill>
-                  <a:schemeClr val="accent1">
-                    <a:lumMod val="50000"/>
-                  </a:schemeClr>
-                </a:solidFill>
-                <a:latin typeface="Apple Symbols" panose="02000000000000000000" pitchFamily="2" charset="-79"/>
-                <a:ea typeface="Apple Symbols" panose="02000000000000000000" pitchFamily="2" charset="-79"/>
-                <a:cs typeface="Apple Symbols" panose="02000000000000000000" pitchFamily="2" charset="-79"/>
-              </a:rPr>
-              <a:t>Delete</a:t>
-            </a:r>
-          </a:p>
-          <a:p>
-            <a:pPr algn="ctr"/>
-            <a:r>
-              <a:rPr lang="en-LK" sz="3600" dirty="0">
-                <a:solidFill>
-                  <a:schemeClr val="accent1">
-                    <a:lumMod val="50000"/>
-                  </a:schemeClr>
-                </a:solidFill>
-                <a:latin typeface="Apple Symbols" panose="02000000000000000000" pitchFamily="2" charset="-79"/>
-                <a:ea typeface="Apple Symbols" panose="02000000000000000000" pitchFamily="2" charset="-79"/>
-                <a:cs typeface="Apple Symbols" panose="02000000000000000000" pitchFamily="2" charset="-79"/>
-              </a:rPr>
-              <a:t>Advertisment</a:t>
-            </a:r>
-          </a:p>
-        </p:txBody>
-      </p:sp>
-      <p:cxnSp>
-        <p:nvCxnSpPr>
-          <p:cNvPr id="39" name="Straight Arrow Connector 38">
-            <a:extLst>
-              <a:ext uri="{FF2B5EF4-FFF2-40B4-BE49-F238E27FC236}">
-                <a16:creationId xmlns:a16="http://schemas.microsoft.com/office/drawing/2014/main" id="{28B1C39A-77D9-A445-AAFE-F7FB87DB1DCA}"/>
+                <a16:creationId xmlns:a16="http://schemas.microsoft.com/office/drawing/2014/main" id="{F634FB0A-2312-C044-AA13-98A2874E93E7}"/>
               </a:ext>
             </a:extLst>
           </p:cNvPr>
           <p:cNvCxnSpPr>
             <a:cxnSpLocks/>
-            <a:stCxn id="35" idx="2"/>
-            <a:endCxn id="36" idx="0"/>
+            <a:stCxn id="54" idx="2"/>
+            <a:endCxn id="56" idx="0"/>
           </p:cNvCxnSpPr>
           <p:nvPr/>
         </p:nvCxnSpPr>
         <p:spPr>
           <a:xfrm flipH="1">
-            <a:off x="7875351" y="3094757"/>
-            <a:ext cx="1542999" cy="995784"/>
+            <a:off x="8530937" y="2987322"/>
+            <a:ext cx="1126449" cy="1952495"/>
           </a:xfrm>
           <a:prstGeom prst="straightConnector1">
             <a:avLst/>
@@ -9914,23 +9850,24 @@
       </p:cxnSp>
       <p:cxnSp>
         <p:nvCxnSpPr>
-          <p:cNvPr id="40" name="Straight Arrow Connector 39">
+          <p:cNvPr id="58" name="Straight Arrow Connector 57">
             <a:extLst>
               <a:ext uri="{FF2B5EF4-FFF2-40B4-BE49-F238E27FC236}">
-                <a16:creationId xmlns:a16="http://schemas.microsoft.com/office/drawing/2014/main" id="{C5D58E85-40C2-7047-91F4-3425BD81542C}"/>
+                <a16:creationId xmlns:a16="http://schemas.microsoft.com/office/drawing/2014/main" id="{9F0B81AA-3471-624A-816A-7509CB2704FE}"/>
               </a:ext>
             </a:extLst>
           </p:cNvPr>
           <p:cNvCxnSpPr>
             <a:cxnSpLocks/>
-            <a:endCxn id="37" idx="0"/>
+            <a:stCxn id="54" idx="2"/>
+            <a:endCxn id="55" idx="0"/>
           </p:cNvCxnSpPr>
           <p:nvPr/>
         </p:nvCxnSpPr>
         <p:spPr>
           <a:xfrm flipH="1">
-            <a:off x="9363753" y="3094757"/>
-            <a:ext cx="54597" cy="2011900"/>
+            <a:off x="7619342" y="2987322"/>
+            <a:ext cx="2038044" cy="1300995"/>
           </a:xfrm>
           <a:prstGeom prst="straightConnector1">
             <a:avLst/>
@@ -9954,26 +9891,191 @@
           </a:fontRef>
         </p:style>
       </p:cxnSp>
+      <p:sp>
+        <p:nvSpPr>
+          <p:cNvPr id="59" name="TextBox 58">
+            <a:extLst>
+              <a:ext uri="{FF2B5EF4-FFF2-40B4-BE49-F238E27FC236}">
+                <a16:creationId xmlns:a16="http://schemas.microsoft.com/office/drawing/2014/main" id="{8EE9D3B6-DE6A-D643-83EA-7D9D77659023}"/>
+              </a:ext>
+            </a:extLst>
+          </p:cNvPr>
+          <p:cNvSpPr txBox="1"/>
+          <p:nvPr/>
+        </p:nvSpPr>
+        <p:spPr>
+          <a:xfrm>
+            <a:off x="9463283" y="5245581"/>
+            <a:ext cx="1467068" cy="1200329"/>
+          </a:xfrm>
+          <a:prstGeom prst="rect">
+            <a:avLst/>
+          </a:prstGeom>
+          <a:noFill/>
+        </p:spPr>
+        <p:txBody>
+          <a:bodyPr wrap="none" rtlCol="0">
+            <a:spAutoFit/>
+          </a:bodyPr>
+          <a:lstStyle/>
+          <a:p>
+            <a:pPr algn="ctr"/>
+            <a:r>
+              <a:rPr lang="en-LK" sz="3600" dirty="0">
+                <a:solidFill>
+                  <a:schemeClr val="accent1">
+                    <a:lumMod val="50000"/>
+                  </a:schemeClr>
+                </a:solidFill>
+                <a:latin typeface="Apple Symbols" panose="02000000000000000000" pitchFamily="2" charset="-79"/>
+                <a:ea typeface="Apple Symbols" panose="02000000000000000000" pitchFamily="2" charset="-79"/>
+                <a:cs typeface="Apple Symbols" panose="02000000000000000000" pitchFamily="2" charset="-79"/>
+              </a:rPr>
+              <a:t>Update </a:t>
+            </a:r>
+          </a:p>
+          <a:p>
+            <a:pPr algn="ctr"/>
+            <a:r>
+              <a:rPr lang="en-LK" sz="3600" dirty="0">
+                <a:solidFill>
+                  <a:schemeClr val="accent1">
+                    <a:lumMod val="50000"/>
+                  </a:schemeClr>
+                </a:solidFill>
+                <a:latin typeface="Apple Symbols" panose="02000000000000000000" pitchFamily="2" charset="-79"/>
+                <a:ea typeface="Apple Symbols" panose="02000000000000000000" pitchFamily="2" charset="-79"/>
+                <a:cs typeface="Apple Symbols" panose="02000000000000000000" pitchFamily="2" charset="-79"/>
+              </a:rPr>
+              <a:t>User</a:t>
+            </a:r>
+          </a:p>
+        </p:txBody>
+      </p:sp>
       <p:cxnSp>
         <p:nvCxnSpPr>
-          <p:cNvPr id="41" name="Straight Arrow Connector 40">
+          <p:cNvPr id="60" name="Straight Arrow Connector 59">
             <a:extLst>
               <a:ext uri="{FF2B5EF4-FFF2-40B4-BE49-F238E27FC236}">
-                <a16:creationId xmlns:a16="http://schemas.microsoft.com/office/drawing/2014/main" id="{E719C9BD-2B25-C345-B591-9A9513A19AC6}"/>
+                <a16:creationId xmlns:a16="http://schemas.microsoft.com/office/drawing/2014/main" id="{FC253A55-7BBD-4842-8482-BD473C930F72}"/>
               </a:ext>
             </a:extLst>
           </p:cNvPr>
           <p:cNvCxnSpPr>
             <a:cxnSpLocks/>
-            <a:stCxn id="35" idx="2"/>
-            <a:endCxn id="38" idx="0"/>
+            <a:stCxn id="54" idx="2"/>
+            <a:endCxn id="59" idx="0"/>
           </p:cNvCxnSpPr>
           <p:nvPr/>
         </p:nvCxnSpPr>
         <p:spPr>
           <a:xfrm>
-            <a:off x="9418350" y="3094757"/>
-            <a:ext cx="1433804" cy="802556"/>
+            <a:off x="9657386" y="2987322"/>
+            <a:ext cx="539431" cy="2258259"/>
+          </a:xfrm>
+          <a:prstGeom prst="straightConnector1">
+            <a:avLst/>
+          </a:prstGeom>
+          <a:ln>
+            <a:tailEnd type="triangle"/>
+          </a:ln>
+        </p:spPr>
+        <p:style>
+          <a:lnRef idx="1">
+            <a:schemeClr val="accent1"/>
+          </a:lnRef>
+          <a:fillRef idx="0">
+            <a:schemeClr val="accent1"/>
+          </a:fillRef>
+          <a:effectRef idx="0">
+            <a:schemeClr val="accent1"/>
+          </a:effectRef>
+          <a:fontRef idx="minor">
+            <a:schemeClr val="tx1"/>
+          </a:fontRef>
+        </p:style>
+      </p:cxnSp>
+      <p:sp>
+        <p:nvSpPr>
+          <p:cNvPr id="61" name="TextBox 60">
+            <a:extLst>
+              <a:ext uri="{FF2B5EF4-FFF2-40B4-BE49-F238E27FC236}">
+                <a16:creationId xmlns:a16="http://schemas.microsoft.com/office/drawing/2014/main" id="{017D420D-C8D7-2D4B-943D-A1CAA51C87DE}"/>
+              </a:ext>
+            </a:extLst>
+          </p:cNvPr>
+          <p:cNvSpPr txBox="1"/>
+          <p:nvPr/>
+        </p:nvSpPr>
+        <p:spPr>
+          <a:xfrm>
+            <a:off x="10488937" y="4316149"/>
+            <a:ext cx="1439817" cy="1200329"/>
+          </a:xfrm>
+          <a:prstGeom prst="rect">
+            <a:avLst/>
+          </a:prstGeom>
+          <a:noFill/>
+        </p:spPr>
+        <p:txBody>
+          <a:bodyPr wrap="none" rtlCol="0">
+            <a:spAutoFit/>
+          </a:bodyPr>
+          <a:lstStyle/>
+          <a:p>
+            <a:pPr algn="ctr"/>
+            <a:r>
+              <a:rPr lang="en-LK" sz="3600" dirty="0">
+                <a:solidFill>
+                  <a:schemeClr val="accent1">
+                    <a:lumMod val="50000"/>
+                  </a:schemeClr>
+                </a:solidFill>
+                <a:latin typeface="Apple Symbols" panose="02000000000000000000" pitchFamily="2" charset="-79"/>
+                <a:ea typeface="Apple Symbols" panose="02000000000000000000" pitchFamily="2" charset="-79"/>
+                <a:cs typeface="Apple Symbols" panose="02000000000000000000" pitchFamily="2" charset="-79"/>
+              </a:rPr>
+              <a:t>Contact</a:t>
+            </a:r>
+          </a:p>
+          <a:p>
+            <a:pPr algn="ctr"/>
+            <a:r>
+              <a:rPr lang="en-LK" sz="3600" dirty="0">
+                <a:solidFill>
+                  <a:schemeClr val="accent1">
+                    <a:lumMod val="50000"/>
+                  </a:schemeClr>
+                </a:solidFill>
+                <a:latin typeface="Apple Symbols" panose="02000000000000000000" pitchFamily="2" charset="-79"/>
+                <a:ea typeface="Apple Symbols" panose="02000000000000000000" pitchFamily="2" charset="-79"/>
+                <a:cs typeface="Apple Symbols" panose="02000000000000000000" pitchFamily="2" charset="-79"/>
+              </a:rPr>
+              <a:t>Us</a:t>
+            </a:r>
+          </a:p>
+        </p:txBody>
+      </p:sp>
+      <p:cxnSp>
+        <p:nvCxnSpPr>
+          <p:cNvPr id="62" name="Straight Arrow Connector 61">
+            <a:extLst>
+              <a:ext uri="{FF2B5EF4-FFF2-40B4-BE49-F238E27FC236}">
+                <a16:creationId xmlns:a16="http://schemas.microsoft.com/office/drawing/2014/main" id="{D3318247-78B7-8049-B18A-26C58DD0E1B6}"/>
+              </a:ext>
+            </a:extLst>
+          </p:cNvPr>
+          <p:cNvCxnSpPr>
+            <a:cxnSpLocks/>
+            <a:stCxn id="54" idx="2"/>
+            <a:endCxn id="61" idx="0"/>
+          </p:cNvCxnSpPr>
+          <p:nvPr/>
+        </p:nvCxnSpPr>
+        <p:spPr>
+          <a:xfrm>
+            <a:off x="9657386" y="2987322"/>
+            <a:ext cx="1551460" cy="1328827"/>
           </a:xfrm>
           <a:prstGeom prst="straightConnector1">
             <a:avLst/>
@@ -10351,7 +10453,7 @@
                                           </p:stCondLst>
                                         </p:cTn>
                                         <p:tgtEl>
-                                          <p:spTgt spid="34"/>
+                                          <p:spTgt spid="53"/>
                                         </p:tgtEl>
                                         <p:attrNameLst>
                                           <p:attrName>style.visibility</p:attrName>
@@ -10365,7 +10467,7 @@
                                       <p:cBhvr>
                                         <p:cTn id="33" dur="500"/>
                                         <p:tgtEl>
-                                          <p:spTgt spid="34"/>
+                                          <p:spTgt spid="53"/>
                                         </p:tgtEl>
                                       </p:cBhvr>
                                     </p:animEffect>
@@ -10386,7 +10488,7 @@
                                           </p:stCondLst>
                                         </p:cTn>
                                         <p:tgtEl>
-                                          <p:spTgt spid="35"/>
+                                          <p:spTgt spid="54"/>
                                         </p:tgtEl>
                                         <p:attrNameLst>
                                           <p:attrName>style.visibility</p:attrName>
@@ -10400,7 +10502,7 @@
                                       <p:cBhvr>
                                         <p:cTn id="36" dur="500"/>
                                         <p:tgtEl>
-                                          <p:spTgt spid="35"/>
+                                          <p:spTgt spid="54"/>
                                         </p:tgtEl>
                                       </p:cBhvr>
                                     </p:animEffect>
@@ -10421,7 +10523,7 @@
                                           </p:stCondLst>
                                         </p:cTn>
                                         <p:tgtEl>
-                                          <p:spTgt spid="39"/>
+                                          <p:spTgt spid="58"/>
                                         </p:tgtEl>
                                         <p:attrNameLst>
                                           <p:attrName>style.visibility</p:attrName>
@@ -10435,7 +10537,7 @@
                                       <p:cBhvr>
                                         <p:cTn id="39" dur="500"/>
                                         <p:tgtEl>
-                                          <p:spTgt spid="39"/>
+                                          <p:spTgt spid="58"/>
                                         </p:tgtEl>
                                       </p:cBhvr>
                                     </p:animEffect>
@@ -10443,7 +10545,7 @@
                                 </p:cTn>
                               </p:par>
                               <p:par>
-                                <p:cTn id="40" presetID="10" presetClass="entr" presetSubtype="0" fill="hold" grpId="0" nodeType="withEffect">
+                                <p:cTn id="40" presetID="10" presetClass="entr" presetSubtype="0" fill="hold" nodeType="withEffect">
                                   <p:stCondLst>
                                     <p:cond delay="0"/>
                                   </p:stCondLst>
@@ -10456,7 +10558,7 @@
                                           </p:stCondLst>
                                         </p:cTn>
                                         <p:tgtEl>
-                                          <p:spTgt spid="36"/>
+                                          <p:spTgt spid="57"/>
                                         </p:tgtEl>
                                         <p:attrNameLst>
                                           <p:attrName>style.visibility</p:attrName>
@@ -10470,7 +10572,7 @@
                                       <p:cBhvr>
                                         <p:cTn id="42" dur="500"/>
                                         <p:tgtEl>
-                                          <p:spTgt spid="36"/>
+                                          <p:spTgt spid="57"/>
                                         </p:tgtEl>
                                       </p:cBhvr>
                                     </p:animEffect>
@@ -10491,7 +10593,7 @@
                                           </p:stCondLst>
                                         </p:cTn>
                                         <p:tgtEl>
-                                          <p:spTgt spid="40"/>
+                                          <p:spTgt spid="60"/>
                                         </p:tgtEl>
                                         <p:attrNameLst>
                                           <p:attrName>style.visibility</p:attrName>
@@ -10505,7 +10607,7 @@
                                       <p:cBhvr>
                                         <p:cTn id="45" dur="500"/>
                                         <p:tgtEl>
-                                          <p:spTgt spid="40"/>
+                                          <p:spTgt spid="60"/>
                                         </p:tgtEl>
                                       </p:cBhvr>
                                     </p:animEffect>
@@ -10513,7 +10615,7 @@
                                 </p:cTn>
                               </p:par>
                               <p:par>
-                                <p:cTn id="46" presetID="10" presetClass="entr" presetSubtype="0" fill="hold" grpId="0" nodeType="withEffect">
+                                <p:cTn id="46" presetID="10" presetClass="entr" presetSubtype="0" fill="hold" nodeType="withEffect">
                                   <p:stCondLst>
                                     <p:cond delay="0"/>
                                   </p:stCondLst>
@@ -10526,7 +10628,7 @@
                                           </p:stCondLst>
                                         </p:cTn>
                                         <p:tgtEl>
-                                          <p:spTgt spid="37"/>
+                                          <p:spTgt spid="62"/>
                                         </p:tgtEl>
                                         <p:attrNameLst>
                                           <p:attrName>style.visibility</p:attrName>
@@ -10540,7 +10642,7 @@
                                       <p:cBhvr>
                                         <p:cTn id="48" dur="500"/>
                                         <p:tgtEl>
-                                          <p:spTgt spid="37"/>
+                                          <p:spTgt spid="62"/>
                                         </p:tgtEl>
                                       </p:cBhvr>
                                     </p:animEffect>
@@ -10548,7 +10650,7 @@
                                 </p:cTn>
                               </p:par>
                               <p:par>
-                                <p:cTn id="49" presetID="10" presetClass="entr" presetSubtype="0" fill="hold" nodeType="withEffect">
+                                <p:cTn id="49" presetID="10" presetClass="entr" presetSubtype="0" fill="hold" grpId="0" nodeType="withEffect">
                                   <p:stCondLst>
                                     <p:cond delay="0"/>
                                   </p:stCondLst>
@@ -10561,7 +10663,7 @@
                                           </p:stCondLst>
                                         </p:cTn>
                                         <p:tgtEl>
-                                          <p:spTgt spid="41"/>
+                                          <p:spTgt spid="55"/>
                                         </p:tgtEl>
                                         <p:attrNameLst>
                                           <p:attrName>style.visibility</p:attrName>
@@ -10575,7 +10677,7 @@
                                       <p:cBhvr>
                                         <p:cTn id="51" dur="500"/>
                                         <p:tgtEl>
-                                          <p:spTgt spid="41"/>
+                                          <p:spTgt spid="55"/>
                                         </p:tgtEl>
                                       </p:cBhvr>
                                     </p:animEffect>
@@ -10596,7 +10698,7 @@
                                           </p:stCondLst>
                                         </p:cTn>
                                         <p:tgtEl>
-                                          <p:spTgt spid="38"/>
+                                          <p:spTgt spid="56"/>
                                         </p:tgtEl>
                                         <p:attrNameLst>
                                           <p:attrName>style.visibility</p:attrName>
@@ -10610,7 +10712,77 @@
                                       <p:cBhvr>
                                         <p:cTn id="54" dur="500"/>
                                         <p:tgtEl>
-                                          <p:spTgt spid="38"/>
+                                          <p:spTgt spid="56"/>
+                                        </p:tgtEl>
+                                      </p:cBhvr>
+                                    </p:animEffect>
+                                  </p:childTnLst>
+                                </p:cTn>
+                              </p:par>
+                              <p:par>
+                                <p:cTn id="55" presetID="10" presetClass="entr" presetSubtype="0" fill="hold" grpId="0" nodeType="withEffect">
+                                  <p:stCondLst>
+                                    <p:cond delay="0"/>
+                                  </p:stCondLst>
+                                  <p:childTnLst>
+                                    <p:set>
+                                      <p:cBhvr>
+                                        <p:cTn id="56" dur="1" fill="hold">
+                                          <p:stCondLst>
+                                            <p:cond delay="0"/>
+                                          </p:stCondLst>
+                                        </p:cTn>
+                                        <p:tgtEl>
+                                          <p:spTgt spid="59"/>
+                                        </p:tgtEl>
+                                        <p:attrNameLst>
+                                          <p:attrName>style.visibility</p:attrName>
+                                        </p:attrNameLst>
+                                      </p:cBhvr>
+                                      <p:to>
+                                        <p:strVal val="visible"/>
+                                      </p:to>
+                                    </p:set>
+                                    <p:animEffect transition="in" filter="fade">
+                                      <p:cBhvr>
+                                        <p:cTn id="57" dur="500"/>
+                                        <p:tgtEl>
+                                          <p:spTgt spid="59"/>
+                                        </p:tgtEl>
+                                      </p:cBhvr>
+                                    </p:animEffect>
+                                  </p:childTnLst>
+                                </p:cTn>
+                              </p:par>
+                              <p:par>
+                                <p:cTn id="58" presetID="10" presetClass="entr" presetSubtype="0" fill="hold" grpId="0" nodeType="withEffect">
+                                  <p:stCondLst>
+                                    <p:cond delay="0"/>
+                                  </p:stCondLst>
+                                  <p:childTnLst>
+                                    <p:set>
+                                      <p:cBhvr>
+                                        <p:cTn id="59" dur="1" fill="hold">
+                                          <p:stCondLst>
+                                            <p:cond delay="0"/>
+                                          </p:stCondLst>
+                                        </p:cTn>
+                                        <p:tgtEl>
+                                          <p:spTgt spid="61"/>
+                                        </p:tgtEl>
+                                        <p:attrNameLst>
+                                          <p:attrName>style.visibility</p:attrName>
+                                        </p:attrNameLst>
+                                      </p:cBhvr>
+                                      <p:to>
+                                        <p:strVal val="visible"/>
+                                      </p:to>
+                                    </p:set>
+                                    <p:animEffect transition="in" filter="fade">
+                                      <p:cBhvr>
+                                        <p:cTn id="60" dur="500"/>
+                                        <p:tgtEl>
+                                          <p:spTgt spid="61"/>
                                         </p:tgtEl>
                                       </p:cBhvr>
                                     </p:animEffect>
@@ -10650,11 +10822,12 @@
       <p:bldP spid="6" grpId="0"/>
       <p:bldP spid="8" grpId="0"/>
       <p:bldP spid="16" grpId="0"/>
-      <p:bldP spid="34" grpId="0" animBg="1"/>
-      <p:bldP spid="35" grpId="0"/>
-      <p:bldP spid="36" grpId="0"/>
-      <p:bldP spid="37" grpId="0"/>
-      <p:bldP spid="38" grpId="0"/>
+      <p:bldP spid="53" grpId="0" animBg="1"/>
+      <p:bldP spid="54" grpId="0"/>
+      <p:bldP spid="55" grpId="0"/>
+      <p:bldP spid="56" grpId="0"/>
+      <p:bldP spid="59" grpId="0"/>
+      <p:bldP spid="61" grpId="0"/>
     </p:bldLst>
   </p:timing>
 </p:sld>
